--- a/documentatie/Presentatie/Presentatie Sprint 1.pptx
+++ b/documentatie/Presentatie/Presentatie Sprint 1.pptx
@@ -11,8 +11,7 @@
     <p:sldId id="259" r:id="rId5"/>
     <p:sldId id="260" r:id="rId6"/>
     <p:sldId id="261" r:id="rId7"/>
-    <p:sldId id="262" r:id="rId8"/>
-    <p:sldId id="263" r:id="rId9"/>
+    <p:sldId id="263" r:id="rId8"/>
   </p:sldIdLst>
   <p:sldSz cx="12192000" cy="6858000"/>
   <p:notesSz cx="6858000" cy="9144000"/>
@@ -122,11 +121,13 @@
             <p14:sldId id="259"/>
             <p14:sldId id="260"/>
             <p14:sldId id="261"/>
-            <p14:sldId id="262"/>
             <p14:sldId id="263"/>
           </p14:sldIdLst>
         </p14:section>
       </p14:sectionLst>
+    </p:ext>
+    <p:ext uri="{EFAFB233-063F-42B5-8137-9DF3F51BA10A}">
+      <p15:sldGuideLst xmlns:p15="http://schemas.microsoft.com/office/powerpoint/2012/main"/>
     </p:ext>
   </p:extLst>
 </p:presentation>
@@ -14288,13 +14289,13 @@
   <p:clrMapOvr>
     <a:masterClrMapping/>
   </p:clrMapOvr>
-  <mc:AlternateContent xmlns:mc="http://schemas.openxmlformats.org/markup-compatibility/2006">
-    <mc:Choice xmlns:p14="http://schemas.microsoft.com/office/powerpoint/2010/main" Requires="p14">
+  <mc:AlternateContent xmlns:mc="http://schemas.openxmlformats.org/markup-compatibility/2006" xmlns:p14="http://schemas.microsoft.com/office/powerpoint/2010/main">
+    <mc:Choice Requires="p14">
       <p:transition spd="med" p14:dur="700">
         <p:fade/>
       </p:transition>
     </mc:Choice>
-    <mc:Fallback>
+    <mc:Fallback xmlns="">
       <p:transition spd="med">
         <p:fade/>
       </p:transition>
@@ -14391,13 +14392,11 @@
           <a:p>
             <a:r>
               <a:rPr lang="en-US" dirty="0" smtClean="0"/>
-              <a:t>Store</a:t>
+              <a:t>Game </a:t>
             </a:r>
-          </a:p>
-          <a:p>
             <a:r>
               <a:rPr lang="en-US" dirty="0" smtClean="0"/>
-              <a:t>Game designs</a:t>
+              <a:t>designs</a:t>
             </a:r>
           </a:p>
           <a:p>
@@ -14493,7 +14492,6 @@
               <a:rPr lang="en-US" dirty="0" smtClean="0"/>
               <a:t>Store</a:t>
             </a:r>
-            <a:endParaRPr lang="en-US" dirty="0"/>
           </a:p>
         </p:txBody>
       </p:sp>
@@ -14560,9 +14558,42 @@
           </a:p>
         </p:txBody>
       </p:sp>
+      <p:sp>
+        <p:nvSpPr>
+          <p:cNvPr id="5" name="Tijdelijke aanduiding voor inhoud 4"/>
+          <p:cNvSpPr>
+            <a:spLocks noGrp="1"/>
+          </p:cNvSpPr>
+          <p:nvPr>
+            <p:ph idx="1"/>
+          </p:nvPr>
+        </p:nvSpPr>
+        <p:spPr/>
+        <p:txBody>
+          <a:bodyPr/>
+          <a:lstStyle/>
+          <a:p>
+            <a:r>
+              <a:rPr lang="en-US" dirty="0" err="1" smtClean="0"/>
+              <a:t>Geanimeerde</a:t>
+            </a:r>
+            <a:r>
+              <a:rPr lang="en-US" dirty="0" smtClean="0"/>
+              <a:t> logo</a:t>
+            </a:r>
+          </a:p>
+          <a:p>
+            <a:r>
+              <a:rPr lang="en-US" dirty="0" smtClean="0"/>
+              <a:t>Slogan</a:t>
+            </a:r>
+            <a:endParaRPr lang="en-US" dirty="0"/>
+          </a:p>
+        </p:txBody>
+      </p:sp>
       <p:pic>
         <p:nvPicPr>
-          <p:cNvPr id="4" name="Afbeelding 3"/>
+          <p:cNvPr id="7" name="Afbeelding 6"/>
           <p:cNvPicPr>
             <a:picLocks noChangeAspect="1"/>
           </p:cNvPicPr>
@@ -14582,47 +14613,14 @@
         </p:blipFill>
         <p:spPr>
           <a:xfrm>
-            <a:off x="1154954" y="4182862"/>
-            <a:ext cx="9583487" cy="1124107"/>
+            <a:off x="1270864" y="3906783"/>
+            <a:ext cx="9488224" cy="1105054"/>
           </a:xfrm>
           <a:prstGeom prst="rect">
             <a:avLst/>
           </a:prstGeom>
         </p:spPr>
       </p:pic>
-      <p:sp>
-        <p:nvSpPr>
-          <p:cNvPr id="5" name="Tijdelijke aanduiding voor inhoud 4"/>
-          <p:cNvSpPr>
-            <a:spLocks noGrp="1"/>
-          </p:cNvSpPr>
-          <p:nvPr>
-            <p:ph idx="1"/>
-          </p:nvPr>
-        </p:nvSpPr>
-        <p:spPr/>
-        <p:txBody>
-          <a:bodyPr/>
-          <a:lstStyle/>
-          <a:p>
-            <a:r>
-              <a:rPr lang="en-US" dirty="0" err="1" smtClean="0"/>
-              <a:t>Geanimeerde</a:t>
-            </a:r>
-            <a:r>
-              <a:rPr lang="en-US" dirty="0" smtClean="0"/>
-              <a:t> logo</a:t>
-            </a:r>
-          </a:p>
-          <a:p>
-            <a:r>
-              <a:rPr lang="en-US" dirty="0" smtClean="0"/>
-              <a:t>Slogan</a:t>
-            </a:r>
-            <a:endParaRPr lang="en-US" dirty="0"/>
-          </a:p>
-        </p:txBody>
-      </p:sp>
     </p:spTree>
     <p:extLst>
       <p:ext uri="{BB962C8B-B14F-4D97-AF65-F5344CB8AC3E}">
@@ -14685,12 +14683,22 @@
         </p:blipFill>
         <p:spPr>
           <a:xfrm>
-            <a:off x="4159796" y="2603500"/>
+            <a:off x="4443131" y="2835320"/>
             <a:ext cx="5955196" cy="2377300"/>
           </a:xfrm>
           <a:prstGeom prst="rect">
             <a:avLst/>
           </a:prstGeom>
+          <a:ln>
+            <a:noFill/>
+          </a:ln>
+          <a:effectLst>
+            <a:outerShdw blurRad="190500" algn="tl" rotWithShape="0">
+              <a:srgbClr val="000000">
+                <a:alpha val="70000"/>
+              </a:srgbClr>
+            </a:outerShdw>
+          </a:effectLst>
         </p:spPr>
       </p:pic>
       <p:sp>
@@ -14767,7 +14775,7 @@
         </p:blipFill>
         <p:spPr>
           <a:xfrm>
-            <a:off x="4303097" y="2717286"/>
+            <a:off x="4586432" y="2949106"/>
             <a:ext cx="5988389" cy="2377300"/>
           </a:xfrm>
           <a:prstGeom prst="rect">
@@ -14797,8 +14805,78 @@
         </p:blipFill>
         <p:spPr>
           <a:xfrm>
-            <a:off x="4479591" y="2876177"/>
+            <a:off x="4762926" y="3107997"/>
             <a:ext cx="5955196" cy="2377300"/>
+          </a:xfrm>
+          <a:prstGeom prst="rect">
+            <a:avLst/>
+          </a:prstGeom>
+          <a:ln>
+            <a:noFill/>
+          </a:ln>
+          <a:effectLst>
+            <a:outerShdw blurRad="190500" algn="tl" rotWithShape="0">
+              <a:srgbClr val="000000">
+                <a:alpha val="70000"/>
+              </a:srgbClr>
+            </a:outerShdw>
+          </a:effectLst>
+        </p:spPr>
+      </p:pic>
+      <p:pic>
+        <p:nvPicPr>
+          <p:cNvPr id="8" name="Afbeelding 7"/>
+          <p:cNvPicPr>
+            <a:picLocks noChangeAspect="1"/>
+          </p:cNvPicPr>
+          <p:nvPr/>
+        </p:nvPicPr>
+        <p:blipFill>
+          <a:blip r:embed="rId4" cstate="print">
+            <a:extLst>
+              <a:ext uri="{28A0092B-C50C-407E-A947-70E740481C1C}">
+                <a14:useLocalDpi xmlns:a14="http://schemas.microsoft.com/office/drawing/2010/main" val="0"/>
+              </a:ext>
+            </a:extLst>
+          </a:blip>
+          <a:stretch>
+            <a:fillRect/>
+          </a:stretch>
+        </p:blipFill>
+        <p:spPr>
+          <a:xfrm>
+            <a:off x="7319852" y="5330452"/>
+            <a:ext cx="841344" cy="109740"/>
+          </a:xfrm>
+          <a:prstGeom prst="rect">
+            <a:avLst/>
+          </a:prstGeom>
+        </p:spPr>
+      </p:pic>
+      <p:pic>
+        <p:nvPicPr>
+          <p:cNvPr id="10" name="Afbeelding 9"/>
+          <p:cNvPicPr>
+            <a:picLocks noChangeAspect="1"/>
+          </p:cNvPicPr>
+          <p:nvPr/>
+        </p:nvPicPr>
+        <p:blipFill>
+          <a:blip r:embed="rId5">
+            <a:extLst>
+              <a:ext uri="{28A0092B-C50C-407E-A947-70E740481C1C}">
+                <a14:useLocalDpi xmlns:a14="http://schemas.microsoft.com/office/drawing/2010/main" val="0"/>
+              </a:ext>
+            </a:extLst>
+          </a:blip>
+          <a:stretch>
+            <a:fillRect/>
+          </a:stretch>
+        </p:blipFill>
+        <p:spPr>
+          <a:xfrm>
+            <a:off x="4545667" y="2910625"/>
+            <a:ext cx="6364184" cy="2775358"/>
           </a:xfrm>
           <a:prstGeom prst="rect">
             <a:avLst/>
@@ -14908,6 +14986,93 @@
           </a:p>
         </p:txBody>
       </p:sp>
+      <p:pic>
+        <p:nvPicPr>
+          <p:cNvPr id="5" name="Afbeelding 4"/>
+          <p:cNvPicPr>
+            <a:picLocks noChangeAspect="1"/>
+          </p:cNvPicPr>
+          <p:nvPr/>
+        </p:nvPicPr>
+        <p:blipFill>
+          <a:blip r:embed="rId3" cstate="print">
+            <a:extLst>
+              <a:ext uri="{28A0092B-C50C-407E-A947-70E740481C1C}">
+                <a14:useLocalDpi xmlns:a14="http://schemas.microsoft.com/office/drawing/2010/main" val="0"/>
+              </a:ext>
+            </a:extLst>
+          </a:blip>
+          <a:stretch>
+            <a:fillRect/>
+          </a:stretch>
+        </p:blipFill>
+        <p:spPr>
+          <a:xfrm>
+            <a:off x="6265051" y="5705135"/>
+            <a:ext cx="3579766" cy="824453"/>
+          </a:xfrm>
+          <a:prstGeom prst="rect">
+            <a:avLst/>
+          </a:prstGeom>
+        </p:spPr>
+      </p:pic>
+      <p:graphicFrame>
+        <p:nvGraphicFramePr>
+          <p:cNvPr id="8" name="Object 7"/>
+          <p:cNvGraphicFramePr>
+            <a:graphicFrameLocks noChangeAspect="1"/>
+          </p:cNvGraphicFramePr>
+          <p:nvPr>
+            <p:extLst>
+              <p:ext uri="{D42A27DB-BD31-4B8C-83A1-F6EECF244321}">
+                <p14:modId xmlns:p14="http://schemas.microsoft.com/office/powerpoint/2010/main" val="3393368286"/>
+              </p:ext>
+            </p:extLst>
+          </p:nvPr>
+        </p:nvGraphicFramePr>
+        <p:xfrm>
+          <a:off x="6206015" y="2353823"/>
+          <a:ext cx="3690318" cy="3351312"/>
+        </p:xfrm>
+        <a:graphic>
+          <a:graphicData uri="http://schemas.openxmlformats.org/presentationml/2006/ole">
+            <mc:AlternateContent xmlns:mc="http://schemas.openxmlformats.org/markup-compatibility/2006">
+              <mc:Choice xmlns:v="urn:schemas-microsoft-com:vml" Requires="v">
+                <p:oleObj spid="_x0000_s1041" name="Image" r:id="rId4" imgW="4838040" imgH="4393440" progId="Photoshop.Image.13">
+                  <p:embed/>
+                </p:oleObj>
+              </mc:Choice>
+              <mc:Fallback>
+                <p:oleObj name="Image" r:id="rId4" imgW="4838040" imgH="4393440" progId="Photoshop.Image.13">
+                  <p:embed/>
+                  <p:pic>
+                    <p:nvPicPr>
+                      <p:cNvPr id="0" name=""/>
+                      <p:cNvPicPr/>
+                      <p:nvPr/>
+                    </p:nvPicPr>
+                    <p:blipFill>
+                      <a:blip r:embed="rId5"/>
+                      <a:stretch>
+                        <a:fillRect/>
+                      </a:stretch>
+                    </p:blipFill>
+                    <p:spPr>
+                      <a:xfrm>
+                        <a:off x="6206015" y="2353823"/>
+                        <a:ext cx="3690318" cy="3351312"/>
+                      </a:xfrm>
+                      <a:prstGeom prst="rect">
+                        <a:avLst/>
+                      </a:prstGeom>
+                    </p:spPr>
+                  </p:pic>
+                </p:oleObj>
+              </mc:Fallback>
+            </mc:AlternateContent>
+          </a:graphicData>
+        </a:graphic>
+      </p:graphicFrame>
     </p:spTree>
     <p:extLst>
       <p:ext uri="{BB962C8B-B14F-4D97-AF65-F5344CB8AC3E}">
@@ -14965,7 +15130,7 @@
           <a:p>
             <a:r>
               <a:rPr lang="en-US" dirty="0" smtClean="0"/>
-              <a:t>Store</a:t>
+              <a:t>Game designs</a:t>
             </a:r>
             <a:endParaRPr lang="en-US" dirty="0"/>
           </a:p>
@@ -14988,97 +15153,6 @@
           <a:p>
             <a:r>
               <a:rPr lang="en-US" dirty="0" smtClean="0"/>
-              <a:t>Games</a:t>
-            </a:r>
-          </a:p>
-          <a:p>
-            <a:r>
-              <a:rPr lang="en-US" dirty="0" smtClean="0"/>
-              <a:t>Music</a:t>
-            </a:r>
-          </a:p>
-        </p:txBody>
-      </p:sp>
-    </p:spTree>
-    <p:extLst>
-      <p:ext uri="{BB962C8B-B14F-4D97-AF65-F5344CB8AC3E}">
-        <p14:creationId xmlns:p14="http://schemas.microsoft.com/office/powerpoint/2010/main" val="1223087250"/>
-      </p:ext>
-    </p:extLst>
-  </p:cSld>
-  <p:clrMapOvr>
-    <a:masterClrMapping/>
-  </p:clrMapOvr>
-  <p:transition spd="slow">
-    <p:push dir="u"/>
-  </p:transition>
-  <p:timing>
-    <p:tnLst>
-      <p:par>
-        <p:cTn id="1" dur="indefinite" restart="never" nodeType="tmRoot"/>
-      </p:par>
-    </p:tnLst>
-  </p:timing>
-</p:sld>
-</file>
-
-<file path=ppt/slides/slide8.xml><?xml version="1.0" encoding="utf-8"?>
-<p:sld xmlns:a="http://schemas.openxmlformats.org/drawingml/2006/main" xmlns:r="http://schemas.openxmlformats.org/officeDocument/2006/relationships" xmlns:p="http://schemas.openxmlformats.org/presentationml/2006/main">
-  <p:cSld>
-    <p:spTree>
-      <p:nvGrpSpPr>
-        <p:cNvPr id="1" name=""/>
-        <p:cNvGrpSpPr/>
-        <p:nvPr/>
-      </p:nvGrpSpPr>
-      <p:grpSpPr>
-        <a:xfrm>
-          <a:off x="0" y="0"/>
-          <a:ext cx="0" cy="0"/>
-          <a:chOff x="0" y="0"/>
-          <a:chExt cx="0" cy="0"/>
-        </a:xfrm>
-      </p:grpSpPr>
-      <p:sp>
-        <p:nvSpPr>
-          <p:cNvPr id="2" name="Titel 1"/>
-          <p:cNvSpPr>
-            <a:spLocks noGrp="1"/>
-          </p:cNvSpPr>
-          <p:nvPr>
-            <p:ph type="title"/>
-          </p:nvPr>
-        </p:nvSpPr>
-        <p:spPr/>
-        <p:txBody>
-          <a:bodyPr/>
-          <a:lstStyle/>
-          <a:p>
-            <a:r>
-              <a:rPr lang="en-US" dirty="0" smtClean="0"/>
-              <a:t>Game designs</a:t>
-            </a:r>
-            <a:endParaRPr lang="en-US" dirty="0"/>
-          </a:p>
-        </p:txBody>
-      </p:sp>
-      <p:sp>
-        <p:nvSpPr>
-          <p:cNvPr id="3" name="Tijdelijke aanduiding voor inhoud 2"/>
-          <p:cNvSpPr>
-            <a:spLocks noGrp="1"/>
-          </p:cNvSpPr>
-          <p:nvPr>
-            <p:ph idx="1"/>
-          </p:nvPr>
-        </p:nvSpPr>
-        <p:spPr/>
-        <p:txBody>
-          <a:bodyPr/>
-          <a:lstStyle/>
-          <a:p>
-            <a:r>
-              <a:rPr lang="en-US" dirty="0" smtClean="0"/>
               <a:t>Super Crate Box</a:t>
             </a:r>
           </a:p>
@@ -15102,6 +15176,120 @@
           </a:p>
         </p:txBody>
       </p:sp>
+      <p:graphicFrame>
+        <p:nvGraphicFramePr>
+          <p:cNvPr id="4" name="Object 3"/>
+          <p:cNvGraphicFramePr>
+            <a:graphicFrameLocks noChangeAspect="1"/>
+          </p:cNvGraphicFramePr>
+          <p:nvPr>
+            <p:extLst>
+              <p:ext uri="{D42A27DB-BD31-4B8C-83A1-F6EECF244321}">
+                <p14:modId xmlns:p14="http://schemas.microsoft.com/office/powerpoint/2010/main" val="3951984278"/>
+              </p:ext>
+            </p:extLst>
+          </p:nvPr>
+        </p:nvGraphicFramePr>
+        <p:xfrm>
+          <a:off x="5528697" y="4040982"/>
+          <a:ext cx="3923559" cy="2453741"/>
+        </p:xfrm>
+        <a:graphic>
+          <a:graphicData uri="http://schemas.openxmlformats.org/presentationml/2006/ole">
+            <mc:AlternateContent xmlns:mc="http://schemas.openxmlformats.org/markup-compatibility/2006">
+              <mc:Choice xmlns:v="urn:schemas-microsoft-com:vml" Requires="v">
+                <p:oleObj spid="_x0000_s2070" name="Image" r:id="rId3" imgW="10780920" imgH="6742800" progId="Photoshop.Image.13">
+                  <p:embed/>
+                </p:oleObj>
+              </mc:Choice>
+              <mc:Fallback>
+                <p:oleObj name="Image" r:id="rId3" imgW="10780920" imgH="6742800" progId="Photoshop.Image.13">
+                  <p:embed/>
+                  <p:pic>
+                    <p:nvPicPr>
+                      <p:cNvPr id="0" name=""/>
+                      <p:cNvPicPr/>
+                      <p:nvPr/>
+                    </p:nvPicPr>
+                    <p:blipFill>
+                      <a:blip r:embed="rId4"/>
+                      <a:stretch>
+                        <a:fillRect/>
+                      </a:stretch>
+                    </p:blipFill>
+                    <p:spPr>
+                      <a:xfrm>
+                        <a:off x="5528697" y="4040982"/>
+                        <a:ext cx="3923559" cy="2453741"/>
+                      </a:xfrm>
+                      <a:prstGeom prst="rect">
+                        <a:avLst/>
+                      </a:prstGeom>
+                    </p:spPr>
+                  </p:pic>
+                </p:oleObj>
+              </mc:Fallback>
+            </mc:AlternateContent>
+          </a:graphicData>
+        </a:graphic>
+      </p:graphicFrame>
+      <p:graphicFrame>
+        <p:nvGraphicFramePr>
+          <p:cNvPr id="5" name="Object 4"/>
+          <p:cNvGraphicFramePr>
+            <a:graphicFrameLocks noChangeAspect="1"/>
+          </p:cNvGraphicFramePr>
+          <p:nvPr>
+            <p:extLst>
+              <p:ext uri="{D42A27DB-BD31-4B8C-83A1-F6EECF244321}">
+                <p14:modId xmlns:p14="http://schemas.microsoft.com/office/powerpoint/2010/main" val="1205068244"/>
+              </p:ext>
+            </p:extLst>
+          </p:nvPr>
+        </p:nvGraphicFramePr>
+        <p:xfrm>
+          <a:off x="1154954" y="4040982"/>
+          <a:ext cx="3909632" cy="2445531"/>
+        </p:xfrm>
+        <a:graphic>
+          <a:graphicData uri="http://schemas.openxmlformats.org/presentationml/2006/ole">
+            <mc:AlternateContent xmlns:mc="http://schemas.openxmlformats.org/markup-compatibility/2006">
+              <mc:Choice xmlns:v="urn:schemas-microsoft-com:vml" Requires="v">
+                <p:oleObj spid="_x0000_s2071" name="Image" r:id="rId5" imgW="8101440" imgH="5066640" progId="Photoshop.Image.13">
+                  <p:embed/>
+                </p:oleObj>
+              </mc:Choice>
+              <mc:Fallback>
+                <p:oleObj name="Image" r:id="rId5" imgW="8101440" imgH="5066640" progId="Photoshop.Image.13">
+                  <p:embed/>
+                  <p:pic>
+                    <p:nvPicPr>
+                      <p:cNvPr id="0" name=""/>
+                      <p:cNvPicPr/>
+                      <p:nvPr/>
+                    </p:nvPicPr>
+                    <p:blipFill>
+                      <a:blip r:embed="rId6"/>
+                      <a:stretch>
+                        <a:fillRect/>
+                      </a:stretch>
+                    </p:blipFill>
+                    <p:spPr>
+                      <a:xfrm>
+                        <a:off x="1154954" y="4040982"/>
+                        <a:ext cx="3909632" cy="2445531"/>
+                      </a:xfrm>
+                      <a:prstGeom prst="rect">
+                        <a:avLst/>
+                      </a:prstGeom>
+                    </p:spPr>
+                  </p:pic>
+                </p:oleObj>
+              </mc:Fallback>
+            </mc:AlternateContent>
+          </a:graphicData>
+        </a:graphic>
+      </p:graphicFrame>
     </p:spTree>
     <p:extLst>
       <p:ext uri="{BB962C8B-B14F-4D97-AF65-F5344CB8AC3E}">

--- a/documentatie/Presentatie/Presentatie Sprint 1.pptx
+++ b/documentatie/Presentatie/Presentatie Sprint 1.pptx
@@ -8,10 +8,13 @@
     <p:sldId id="256" r:id="rId2"/>
     <p:sldId id="257" r:id="rId3"/>
     <p:sldId id="258" r:id="rId4"/>
-    <p:sldId id="259" r:id="rId5"/>
-    <p:sldId id="260" r:id="rId6"/>
-    <p:sldId id="261" r:id="rId7"/>
-    <p:sldId id="263" r:id="rId8"/>
+    <p:sldId id="261" r:id="rId5"/>
+    <p:sldId id="259" r:id="rId6"/>
+    <p:sldId id="260" r:id="rId7"/>
+    <p:sldId id="265" r:id="rId8"/>
+    <p:sldId id="264" r:id="rId9"/>
+    <p:sldId id="263" r:id="rId10"/>
+    <p:sldId id="266" r:id="rId11"/>
   </p:sldIdLst>
   <p:sldSz cx="12192000" cy="6858000"/>
   <p:notesSz cx="6858000" cy="9144000"/>
@@ -118,10 +121,13 @@
             <p14:sldId id="256"/>
             <p14:sldId id="257"/>
             <p14:sldId id="258"/>
+            <p14:sldId id="261"/>
             <p14:sldId id="259"/>
             <p14:sldId id="260"/>
-            <p14:sldId id="261"/>
+            <p14:sldId id="265"/>
+            <p14:sldId id="264"/>
             <p14:sldId id="263"/>
+            <p14:sldId id="266"/>
           </p14:sldIdLst>
         </p14:section>
       </p14:sectionLst>
@@ -14311,6 +14317,112 @@
 </p:sld>
 </file>
 
+<file path=ppt/slides/slide10.xml><?xml version="1.0" encoding="utf-8"?>
+<p:sld xmlns:a="http://schemas.openxmlformats.org/drawingml/2006/main" xmlns:r="http://schemas.openxmlformats.org/officeDocument/2006/relationships" xmlns:p="http://schemas.openxmlformats.org/presentationml/2006/main">
+  <p:cSld>
+    <p:spTree>
+      <p:nvGrpSpPr>
+        <p:cNvPr id="1" name=""/>
+        <p:cNvGrpSpPr/>
+        <p:nvPr/>
+      </p:nvGrpSpPr>
+      <p:grpSpPr>
+        <a:xfrm>
+          <a:off x="0" y="0"/>
+          <a:ext cx="0" cy="0"/>
+          <a:chOff x="0" y="0"/>
+          <a:chExt cx="0" cy="0"/>
+        </a:xfrm>
+      </p:grpSpPr>
+      <p:sp>
+        <p:nvSpPr>
+          <p:cNvPr id="2" name="Titel 1"/>
+          <p:cNvSpPr>
+            <a:spLocks noGrp="1"/>
+          </p:cNvSpPr>
+          <p:nvPr>
+            <p:ph type="title"/>
+          </p:nvPr>
+        </p:nvSpPr>
+        <p:spPr/>
+        <p:txBody>
+          <a:bodyPr/>
+          <a:lstStyle/>
+          <a:p>
+            <a:r>
+              <a:rPr lang="en-US" dirty="0" err="1" smtClean="0"/>
+              <a:t>Conclusie</a:t>
+            </a:r>
+            <a:endParaRPr lang="en-US" dirty="0"/>
+          </a:p>
+        </p:txBody>
+      </p:sp>
+      <p:sp>
+        <p:nvSpPr>
+          <p:cNvPr id="3" name="Tijdelijke aanduiding voor inhoud 2"/>
+          <p:cNvSpPr>
+            <a:spLocks noGrp="1"/>
+          </p:cNvSpPr>
+          <p:nvPr>
+            <p:ph idx="1"/>
+          </p:nvPr>
+        </p:nvSpPr>
+        <p:spPr/>
+        <p:txBody>
+          <a:bodyPr/>
+          <a:lstStyle/>
+          <a:p>
+            <a:pPr marL="0" indent="0">
+              <a:buNone/>
+            </a:pPr>
+            <a:r>
+              <a:rPr lang="en-US" dirty="0" err="1" smtClean="0"/>
+              <a:t>Bedankt</a:t>
+            </a:r>
+            <a:r>
+              <a:rPr lang="en-US" dirty="0" smtClean="0"/>
+              <a:t> </a:t>
+            </a:r>
+            <a:r>
+              <a:rPr lang="en-US" dirty="0" err="1" smtClean="0"/>
+              <a:t>voor</a:t>
+            </a:r>
+            <a:r>
+              <a:rPr lang="en-US" dirty="0" smtClean="0"/>
+              <a:t> het </a:t>
+            </a:r>
+            <a:r>
+              <a:rPr lang="en-US" dirty="0" err="1" smtClean="0"/>
+              <a:t>luisteren</a:t>
+            </a:r>
+            <a:r>
+              <a:rPr lang="en-US" dirty="0" smtClean="0"/>
+              <a:t>!</a:t>
+            </a:r>
+            <a:endParaRPr lang="en-US" dirty="0"/>
+          </a:p>
+        </p:txBody>
+      </p:sp>
+    </p:spTree>
+    <p:extLst>
+      <p:ext uri="{BB962C8B-B14F-4D97-AF65-F5344CB8AC3E}">
+        <p14:creationId xmlns:p14="http://schemas.microsoft.com/office/powerpoint/2010/main" val="3580900437"/>
+      </p:ext>
+    </p:extLst>
+  </p:cSld>
+  <p:clrMapOvr>
+    <a:masterClrMapping/>
+  </p:clrMapOvr>
+  <p:timing>
+    <p:tnLst>
+      <p:par>
+        <p:cTn id="1" dur="indefinite" restart="never" nodeType="tmRoot"/>
+      </p:par>
+    </p:tnLst>
+  </p:timing>
+</p:sld>
+</file>
+
 <file path=ppt/slides/slide2.xml><?xml version="1.0" encoding="utf-8"?>
 <p:sld xmlns:a="http://schemas.openxmlformats.org/drawingml/2006/main" xmlns:r="http://schemas.openxmlformats.org/officeDocument/2006/relationships" xmlns:p="http://schemas.openxmlformats.org/presentationml/2006/main">
   <p:cSld>
@@ -14373,6 +14485,13 @@
           </a:p>
           <a:p>
             <a:r>
+              <a:rPr lang="en-US" smtClean="0"/>
+              <a:t>Home</a:t>
+            </a:r>
+            <a:endParaRPr lang="en-US" dirty="0" smtClean="0"/>
+          </a:p>
+          <a:p>
+            <a:r>
               <a:rPr lang="en-US" dirty="0" smtClean="0"/>
               <a:t>Header</a:t>
             </a:r>
@@ -14386,17 +14505,20 @@
           <a:p>
             <a:r>
               <a:rPr lang="en-US" dirty="0" smtClean="0"/>
-              <a:t>Home</a:t>
+              <a:t>News</a:t>
             </a:r>
           </a:p>
           <a:p>
             <a:r>
               <a:rPr lang="en-US" dirty="0" smtClean="0"/>
-              <a:t>Game </a:t>
+              <a:t>Footer</a:t>
             </a:r>
+            <a:endParaRPr lang="en-US" dirty="0" smtClean="0"/>
+          </a:p>
+          <a:p>
             <a:r>
               <a:rPr lang="en-US" dirty="0" smtClean="0"/>
-              <a:t>designs</a:t>
+              <a:t>Game designs</a:t>
             </a:r>
           </a:p>
           <a:p>
@@ -14552,6 +14674,198 @@
           <a:p>
             <a:r>
               <a:rPr lang="en-US" dirty="0" smtClean="0"/>
+              <a:t>Home</a:t>
+            </a:r>
+            <a:endParaRPr lang="en-US" dirty="0"/>
+          </a:p>
+        </p:txBody>
+      </p:sp>
+      <p:sp>
+        <p:nvSpPr>
+          <p:cNvPr id="3" name="Tijdelijke aanduiding voor inhoud 2"/>
+          <p:cNvSpPr>
+            <a:spLocks noGrp="1"/>
+          </p:cNvSpPr>
+          <p:nvPr>
+            <p:ph idx="1"/>
+          </p:nvPr>
+        </p:nvSpPr>
+        <p:spPr/>
+        <p:txBody>
+          <a:bodyPr/>
+          <a:lstStyle/>
+          <a:p>
+            <a:r>
+              <a:rPr lang="en-US" dirty="0" smtClean="0"/>
+              <a:t>Header</a:t>
+            </a:r>
+          </a:p>
+          <a:p>
+            <a:r>
+              <a:rPr lang="en-US" dirty="0" smtClean="0"/>
+              <a:t>Image slider</a:t>
+            </a:r>
+            <a:endParaRPr lang="en-US" dirty="0" smtClean="0"/>
+          </a:p>
+          <a:p>
+            <a:r>
+              <a:rPr lang="en-US" dirty="0" smtClean="0"/>
+              <a:t>News</a:t>
+            </a:r>
+            <a:endParaRPr lang="en-US" dirty="0" smtClean="0"/>
+          </a:p>
+          <a:p>
+            <a:r>
+              <a:rPr lang="en-US" dirty="0" smtClean="0"/>
+              <a:t>Footer</a:t>
+            </a:r>
+          </a:p>
+        </p:txBody>
+      </p:sp>
+      <p:pic>
+        <p:nvPicPr>
+          <p:cNvPr id="5" name="Afbeelding 4"/>
+          <p:cNvPicPr>
+            <a:picLocks noChangeAspect="1"/>
+          </p:cNvPicPr>
+          <p:nvPr/>
+        </p:nvPicPr>
+        <p:blipFill>
+          <a:blip r:embed="rId3" cstate="print">
+            <a:extLst>
+              <a:ext uri="{28A0092B-C50C-407E-A947-70E740481C1C}">
+                <a14:useLocalDpi xmlns:a14="http://schemas.microsoft.com/office/drawing/2010/main" val="0"/>
+              </a:ext>
+            </a:extLst>
+          </a:blip>
+          <a:stretch>
+            <a:fillRect/>
+          </a:stretch>
+        </p:blipFill>
+        <p:spPr>
+          <a:xfrm>
+            <a:off x="5608229" y="5782408"/>
+            <a:ext cx="3579766" cy="824453"/>
+          </a:xfrm>
+          <a:prstGeom prst="rect">
+            <a:avLst/>
+          </a:prstGeom>
+        </p:spPr>
+      </p:pic>
+      <p:graphicFrame>
+        <p:nvGraphicFramePr>
+          <p:cNvPr id="8" name="Object 7"/>
+          <p:cNvGraphicFramePr>
+            <a:graphicFrameLocks noChangeAspect="1"/>
+          </p:cNvGraphicFramePr>
+          <p:nvPr>
+            <p:extLst>
+              <p:ext uri="{D42A27DB-BD31-4B8C-83A1-F6EECF244321}">
+                <p14:modId xmlns:p14="http://schemas.microsoft.com/office/powerpoint/2010/main" val="2960916805"/>
+              </p:ext>
+            </p:extLst>
+          </p:nvPr>
+        </p:nvGraphicFramePr>
+        <p:xfrm>
+          <a:off x="5549193" y="2431096"/>
+          <a:ext cx="3690318" cy="3351312"/>
+        </p:xfrm>
+        <a:graphic>
+          <a:graphicData uri="http://schemas.openxmlformats.org/presentationml/2006/ole">
+            <mc:AlternateContent xmlns:mc="http://schemas.openxmlformats.org/markup-compatibility/2006">
+              <mc:Choice xmlns:v="urn:schemas-microsoft-com:vml" Requires="v">
+                <p:oleObj spid="_x0000_s1059" name="Image" r:id="rId4" imgW="4838040" imgH="4393440" progId="Photoshop.Image.13">
+                  <p:embed/>
+                </p:oleObj>
+              </mc:Choice>
+              <mc:Fallback>
+                <p:oleObj name="Image" r:id="rId4" imgW="4838040" imgH="4393440" progId="Photoshop.Image.13">
+                  <p:embed/>
+                  <p:pic>
+                    <p:nvPicPr>
+                      <p:cNvPr id="0" name=""/>
+                      <p:cNvPicPr/>
+                      <p:nvPr/>
+                    </p:nvPicPr>
+                    <p:blipFill>
+                      <a:blip r:embed="rId5"/>
+                      <a:stretch>
+                        <a:fillRect/>
+                      </a:stretch>
+                    </p:blipFill>
+                    <p:spPr>
+                      <a:xfrm>
+                        <a:off x="5549193" y="2431096"/>
+                        <a:ext cx="3690318" cy="3351312"/>
+                      </a:xfrm>
+                      <a:prstGeom prst="rect">
+                        <a:avLst/>
+                      </a:prstGeom>
+                    </p:spPr>
+                  </p:pic>
+                </p:oleObj>
+              </mc:Fallback>
+            </mc:AlternateContent>
+          </a:graphicData>
+        </a:graphic>
+      </p:graphicFrame>
+    </p:spTree>
+    <p:extLst>
+      <p:ext uri="{BB962C8B-B14F-4D97-AF65-F5344CB8AC3E}">
+        <p14:creationId xmlns:p14="http://schemas.microsoft.com/office/powerpoint/2010/main" val="3197941444"/>
+      </p:ext>
+    </p:extLst>
+  </p:cSld>
+  <p:clrMapOvr>
+    <a:masterClrMapping/>
+  </p:clrMapOvr>
+  <p:transition spd="slow">
+    <p:push dir="u"/>
+  </p:transition>
+  <p:timing>
+    <p:tnLst>
+      <p:par>
+        <p:cTn id="1" dur="indefinite" restart="never" nodeType="tmRoot"/>
+      </p:par>
+    </p:tnLst>
+  </p:timing>
+</p:sld>
+</file>
+
+<file path=ppt/slides/slide5.xml><?xml version="1.0" encoding="utf-8"?>
+<p:sld xmlns:a="http://schemas.openxmlformats.org/drawingml/2006/main" xmlns:r="http://schemas.openxmlformats.org/officeDocument/2006/relationships" xmlns:p="http://schemas.openxmlformats.org/presentationml/2006/main">
+  <p:cSld>
+    <p:spTree>
+      <p:nvGrpSpPr>
+        <p:cNvPr id="1" name=""/>
+        <p:cNvGrpSpPr/>
+        <p:nvPr/>
+      </p:nvGrpSpPr>
+      <p:grpSpPr>
+        <a:xfrm>
+          <a:off x="0" y="0"/>
+          <a:ext cx="0" cy="0"/>
+          <a:chOff x="0" y="0"/>
+          <a:chExt cx="0" cy="0"/>
+        </a:xfrm>
+      </p:grpSpPr>
+      <p:sp>
+        <p:nvSpPr>
+          <p:cNvPr id="2" name="Titel 1"/>
+          <p:cNvSpPr>
+            <a:spLocks noGrp="1"/>
+          </p:cNvSpPr>
+          <p:nvPr>
+            <p:ph type="title"/>
+          </p:nvPr>
+        </p:nvSpPr>
+        <p:spPr/>
+        <p:txBody>
+          <a:bodyPr/>
+          <a:lstStyle/>
+          <a:p>
+            <a:r>
+              <a:rPr lang="en-US" dirty="0" smtClean="0"/>
               <a:t>Header</a:t>
             </a:r>
             <a:endParaRPr lang="en-US" dirty="0"/>
@@ -14587,13 +14901,25 @@
               <a:rPr lang="en-US" dirty="0" smtClean="0"/>
               <a:t>Slogan</a:t>
             </a:r>
+          </a:p>
+          <a:p>
+            <a:r>
+              <a:rPr lang="en-US" dirty="0" smtClean="0"/>
+              <a:t>Login</a:t>
+            </a:r>
+          </a:p>
+          <a:p>
+            <a:r>
+              <a:rPr lang="en-US" dirty="0" smtClean="0"/>
+              <a:t>Button Bar</a:t>
+            </a:r>
             <a:endParaRPr lang="en-US" dirty="0"/>
           </a:p>
         </p:txBody>
       </p:sp>
       <p:pic>
         <p:nvPicPr>
-          <p:cNvPr id="7" name="Afbeelding 6"/>
+          <p:cNvPr id="6" name="Tijdelijke aanduiding voor inhoud 3"/>
           <p:cNvPicPr>
             <a:picLocks noChangeAspect="1"/>
           </p:cNvPicPr>
@@ -14613,8 +14939,38 @@
         </p:blipFill>
         <p:spPr>
           <a:xfrm>
-            <a:off x="1270864" y="3906783"/>
-            <a:ext cx="9488224" cy="1105054"/>
+            <a:off x="1255730" y="5600752"/>
+            <a:ext cx="6615873" cy="838095"/>
+          </a:xfrm>
+          <a:prstGeom prst="rect">
+            <a:avLst/>
+          </a:prstGeom>
+        </p:spPr>
+      </p:pic>
+      <p:pic>
+        <p:nvPicPr>
+          <p:cNvPr id="3" name="Afbeelding 2"/>
+          <p:cNvPicPr>
+            <a:picLocks noChangeAspect="1"/>
+          </p:cNvPicPr>
+          <p:nvPr/>
+        </p:nvPicPr>
+        <p:blipFill>
+          <a:blip r:embed="rId3">
+            <a:extLst>
+              <a:ext uri="{28A0092B-C50C-407E-A947-70E740481C1C}">
+                <a14:useLocalDpi xmlns:a14="http://schemas.microsoft.com/office/drawing/2010/main" val="0"/>
+              </a:ext>
+            </a:extLst>
+          </a:blip>
+          <a:stretch>
+            <a:fillRect/>
+          </a:stretch>
+        </p:blipFill>
+        <p:spPr>
+          <a:xfrm>
+            <a:off x="1255730" y="4371305"/>
+            <a:ext cx="9034490" cy="1054926"/>
           </a:xfrm>
           <a:prstGeom prst="rect">
             <a:avLst/>
@@ -14644,7 +15000,7 @@
 </p:sld>
 </file>
 
-<file path=ppt/slides/slide5.xml><?xml version="1.0" encoding="utf-8"?>
+<file path=ppt/slides/slide6.xml><?xml version="1.0" encoding="utf-8"?>
 <p:sld xmlns:a="http://schemas.openxmlformats.org/drawingml/2006/main" xmlns:r="http://schemas.openxmlformats.org/officeDocument/2006/relationships" xmlns:p="http://schemas.openxmlformats.org/presentationml/2006/main">
   <p:cSld>
     <p:spTree>
@@ -14906,196 +15262,6 @@
 </p:sld>
 </file>
 
-<file path=ppt/slides/slide6.xml><?xml version="1.0" encoding="utf-8"?>
-<p:sld xmlns:a="http://schemas.openxmlformats.org/drawingml/2006/main" xmlns:r="http://schemas.openxmlformats.org/officeDocument/2006/relationships" xmlns:p="http://schemas.openxmlformats.org/presentationml/2006/main">
-  <p:cSld>
-    <p:spTree>
-      <p:nvGrpSpPr>
-        <p:cNvPr id="1" name=""/>
-        <p:cNvGrpSpPr/>
-        <p:nvPr/>
-      </p:nvGrpSpPr>
-      <p:grpSpPr>
-        <a:xfrm>
-          <a:off x="0" y="0"/>
-          <a:ext cx="0" cy="0"/>
-          <a:chOff x="0" y="0"/>
-          <a:chExt cx="0" cy="0"/>
-        </a:xfrm>
-      </p:grpSpPr>
-      <p:sp>
-        <p:nvSpPr>
-          <p:cNvPr id="2" name="Titel 1"/>
-          <p:cNvSpPr>
-            <a:spLocks noGrp="1"/>
-          </p:cNvSpPr>
-          <p:nvPr>
-            <p:ph type="title"/>
-          </p:nvPr>
-        </p:nvSpPr>
-        <p:spPr/>
-        <p:txBody>
-          <a:bodyPr/>
-          <a:lstStyle/>
-          <a:p>
-            <a:r>
-              <a:rPr lang="en-US" dirty="0" smtClean="0"/>
-              <a:t>Home</a:t>
-            </a:r>
-            <a:endParaRPr lang="en-US" dirty="0"/>
-          </a:p>
-        </p:txBody>
-      </p:sp>
-      <p:sp>
-        <p:nvSpPr>
-          <p:cNvPr id="3" name="Tijdelijke aanduiding voor inhoud 2"/>
-          <p:cNvSpPr>
-            <a:spLocks noGrp="1"/>
-          </p:cNvSpPr>
-          <p:nvPr>
-            <p:ph idx="1"/>
-          </p:nvPr>
-        </p:nvSpPr>
-        <p:spPr/>
-        <p:txBody>
-          <a:bodyPr/>
-          <a:lstStyle/>
-          <a:p>
-            <a:r>
-              <a:rPr lang="en-US" dirty="0" smtClean="0"/>
-              <a:t>Header</a:t>
-            </a:r>
-          </a:p>
-          <a:p>
-            <a:r>
-              <a:rPr lang="en-US" dirty="0" smtClean="0"/>
-              <a:t>Buttons</a:t>
-            </a:r>
-          </a:p>
-          <a:p>
-            <a:r>
-              <a:rPr lang="en-US" dirty="0" smtClean="0"/>
-              <a:t>News</a:t>
-            </a:r>
-          </a:p>
-          <a:p>
-            <a:r>
-              <a:rPr lang="en-US" dirty="0" smtClean="0"/>
-              <a:t>Footer</a:t>
-            </a:r>
-          </a:p>
-        </p:txBody>
-      </p:sp>
-      <p:pic>
-        <p:nvPicPr>
-          <p:cNvPr id="5" name="Afbeelding 4"/>
-          <p:cNvPicPr>
-            <a:picLocks noChangeAspect="1"/>
-          </p:cNvPicPr>
-          <p:nvPr/>
-        </p:nvPicPr>
-        <p:blipFill>
-          <a:blip r:embed="rId3" cstate="print">
-            <a:extLst>
-              <a:ext uri="{28A0092B-C50C-407E-A947-70E740481C1C}">
-                <a14:useLocalDpi xmlns:a14="http://schemas.microsoft.com/office/drawing/2010/main" val="0"/>
-              </a:ext>
-            </a:extLst>
-          </a:blip>
-          <a:stretch>
-            <a:fillRect/>
-          </a:stretch>
-        </p:blipFill>
-        <p:spPr>
-          <a:xfrm>
-            <a:off x="6265051" y="5705135"/>
-            <a:ext cx="3579766" cy="824453"/>
-          </a:xfrm>
-          <a:prstGeom prst="rect">
-            <a:avLst/>
-          </a:prstGeom>
-        </p:spPr>
-      </p:pic>
-      <p:graphicFrame>
-        <p:nvGraphicFramePr>
-          <p:cNvPr id="8" name="Object 7"/>
-          <p:cNvGraphicFramePr>
-            <a:graphicFrameLocks noChangeAspect="1"/>
-          </p:cNvGraphicFramePr>
-          <p:nvPr>
-            <p:extLst>
-              <p:ext uri="{D42A27DB-BD31-4B8C-83A1-F6EECF244321}">
-                <p14:modId xmlns:p14="http://schemas.microsoft.com/office/powerpoint/2010/main" val="3393368286"/>
-              </p:ext>
-            </p:extLst>
-          </p:nvPr>
-        </p:nvGraphicFramePr>
-        <p:xfrm>
-          <a:off x="6206015" y="2353823"/>
-          <a:ext cx="3690318" cy="3351312"/>
-        </p:xfrm>
-        <a:graphic>
-          <a:graphicData uri="http://schemas.openxmlformats.org/presentationml/2006/ole">
-            <mc:AlternateContent xmlns:mc="http://schemas.openxmlformats.org/markup-compatibility/2006">
-              <mc:Choice xmlns:v="urn:schemas-microsoft-com:vml" Requires="v">
-                <p:oleObj spid="_x0000_s1041" name="Image" r:id="rId4" imgW="4838040" imgH="4393440" progId="Photoshop.Image.13">
-                  <p:embed/>
-                </p:oleObj>
-              </mc:Choice>
-              <mc:Fallback>
-                <p:oleObj name="Image" r:id="rId4" imgW="4838040" imgH="4393440" progId="Photoshop.Image.13">
-                  <p:embed/>
-                  <p:pic>
-                    <p:nvPicPr>
-                      <p:cNvPr id="0" name=""/>
-                      <p:cNvPicPr/>
-                      <p:nvPr/>
-                    </p:nvPicPr>
-                    <p:blipFill>
-                      <a:blip r:embed="rId5"/>
-                      <a:stretch>
-                        <a:fillRect/>
-                      </a:stretch>
-                    </p:blipFill>
-                    <p:spPr>
-                      <a:xfrm>
-                        <a:off x="6206015" y="2353823"/>
-                        <a:ext cx="3690318" cy="3351312"/>
-                      </a:xfrm>
-                      <a:prstGeom prst="rect">
-                        <a:avLst/>
-                      </a:prstGeom>
-                    </p:spPr>
-                  </p:pic>
-                </p:oleObj>
-              </mc:Fallback>
-            </mc:AlternateContent>
-          </a:graphicData>
-        </a:graphic>
-      </p:graphicFrame>
-    </p:spTree>
-    <p:extLst>
-      <p:ext uri="{BB962C8B-B14F-4D97-AF65-F5344CB8AC3E}">
-        <p14:creationId xmlns:p14="http://schemas.microsoft.com/office/powerpoint/2010/main" val="3197941444"/>
-      </p:ext>
-    </p:extLst>
-  </p:cSld>
-  <p:clrMapOvr>
-    <a:masterClrMapping/>
-  </p:clrMapOvr>
-  <p:transition spd="slow">
-    <p:push dir="u"/>
-  </p:transition>
-  <p:timing>
-    <p:tnLst>
-      <p:par>
-        <p:cTn id="1" dur="indefinite" restart="never" nodeType="tmRoot"/>
-      </p:par>
-    </p:tnLst>
-  </p:timing>
-</p:sld>
-</file>
-
 <file path=ppt/slides/slide7.xml><?xml version="1.0" encoding="utf-8"?>
 <p:sld xmlns:a="http://schemas.openxmlformats.org/drawingml/2006/main" xmlns:r="http://schemas.openxmlformats.org/officeDocument/2006/relationships" xmlns:p="http://schemas.openxmlformats.org/presentationml/2006/main">
   <p:cSld>
@@ -15130,6 +15296,207 @@
           <a:p>
             <a:r>
               <a:rPr lang="en-US" dirty="0" smtClean="0"/>
+              <a:t>News</a:t>
+            </a:r>
+            <a:endParaRPr lang="en-US" dirty="0"/>
+          </a:p>
+        </p:txBody>
+      </p:sp>
+      <p:pic>
+        <p:nvPicPr>
+          <p:cNvPr id="4" name="Tijdelijke aanduiding voor inhoud 3"/>
+          <p:cNvPicPr>
+            <a:picLocks noGrp="1" noChangeAspect="1"/>
+          </p:cNvPicPr>
+          <p:nvPr>
+            <p:ph idx="1"/>
+          </p:nvPr>
+        </p:nvPicPr>
+        <p:blipFill>
+          <a:blip r:embed="rId2">
+            <a:extLst>
+              <a:ext uri="{28A0092B-C50C-407E-A947-70E740481C1C}">
+                <a14:useLocalDpi xmlns:a14="http://schemas.microsoft.com/office/drawing/2010/main" val="0"/>
+              </a:ext>
+            </a:extLst>
+          </a:blip>
+          <a:stretch>
+            <a:fillRect/>
+          </a:stretch>
+        </p:blipFill>
+        <p:spPr>
+          <a:xfrm>
+            <a:off x="1154954" y="2539105"/>
+            <a:ext cx="4816807" cy="3416300"/>
+          </a:xfrm>
+          <a:prstGeom prst="rect">
+            <a:avLst/>
+          </a:prstGeom>
+        </p:spPr>
+      </p:pic>
+    </p:spTree>
+    <p:extLst>
+      <p:ext uri="{BB962C8B-B14F-4D97-AF65-F5344CB8AC3E}">
+        <p14:creationId xmlns:p14="http://schemas.microsoft.com/office/powerpoint/2010/main" val="3648959683"/>
+      </p:ext>
+    </p:extLst>
+  </p:cSld>
+  <p:clrMapOvr>
+    <a:masterClrMapping/>
+  </p:clrMapOvr>
+  <p:timing>
+    <p:tnLst>
+      <p:par>
+        <p:cTn id="1" dur="indefinite" restart="never" nodeType="tmRoot"/>
+      </p:par>
+    </p:tnLst>
+  </p:timing>
+</p:sld>
+</file>
+
+<file path=ppt/slides/slide8.xml><?xml version="1.0" encoding="utf-8"?>
+<p:sld xmlns:a="http://schemas.openxmlformats.org/drawingml/2006/main" xmlns:r="http://schemas.openxmlformats.org/officeDocument/2006/relationships" xmlns:p="http://schemas.openxmlformats.org/presentationml/2006/main">
+  <p:cSld>
+    <p:spTree>
+      <p:nvGrpSpPr>
+        <p:cNvPr id="1" name=""/>
+        <p:cNvGrpSpPr/>
+        <p:nvPr/>
+      </p:nvGrpSpPr>
+      <p:grpSpPr>
+        <a:xfrm>
+          <a:off x="0" y="0"/>
+          <a:ext cx="0" cy="0"/>
+          <a:chOff x="0" y="0"/>
+          <a:chExt cx="0" cy="0"/>
+        </a:xfrm>
+      </p:grpSpPr>
+      <p:sp>
+        <p:nvSpPr>
+          <p:cNvPr id="2" name="Titel 1"/>
+          <p:cNvSpPr>
+            <a:spLocks noGrp="1"/>
+          </p:cNvSpPr>
+          <p:nvPr>
+            <p:ph type="title"/>
+          </p:nvPr>
+        </p:nvSpPr>
+        <p:spPr/>
+        <p:txBody>
+          <a:bodyPr/>
+          <a:lstStyle/>
+          <a:p>
+            <a:r>
+              <a:rPr lang="en-US" dirty="0" smtClean="0"/>
+              <a:t>Footer</a:t>
+            </a:r>
+            <a:endParaRPr lang="en-US" dirty="0"/>
+          </a:p>
+        </p:txBody>
+      </p:sp>
+      <p:sp>
+        <p:nvSpPr>
+          <p:cNvPr id="3" name="Tijdelijke aanduiding voor inhoud 2"/>
+          <p:cNvSpPr>
+            <a:spLocks noGrp="1"/>
+          </p:cNvSpPr>
+          <p:nvPr>
+            <p:ph idx="1"/>
+          </p:nvPr>
+        </p:nvSpPr>
+        <p:spPr/>
+        <p:txBody>
+          <a:bodyPr/>
+          <a:lstStyle/>
+          <a:p>
+            <a:endParaRPr lang="en-US" dirty="0"/>
+          </a:p>
+        </p:txBody>
+      </p:sp>
+      <p:pic>
+        <p:nvPicPr>
+          <p:cNvPr id="4" name="Afbeelding 3"/>
+          <p:cNvPicPr>
+            <a:picLocks noChangeAspect="1"/>
+          </p:cNvPicPr>
+          <p:nvPr/>
+        </p:nvPicPr>
+        <p:blipFill>
+          <a:blip r:embed="rId2">
+            <a:extLst>
+              <a:ext uri="{28A0092B-C50C-407E-A947-70E740481C1C}">
+                <a14:useLocalDpi xmlns:a14="http://schemas.microsoft.com/office/drawing/2010/main" val="0"/>
+              </a:ext>
+            </a:extLst>
+          </a:blip>
+          <a:stretch>
+            <a:fillRect/>
+          </a:stretch>
+        </p:blipFill>
+        <p:spPr>
+          <a:xfrm>
+            <a:off x="1245504" y="2823749"/>
+            <a:ext cx="9469171" cy="2086266"/>
+          </a:xfrm>
+          <a:prstGeom prst="rect">
+            <a:avLst/>
+          </a:prstGeom>
+        </p:spPr>
+      </p:pic>
+    </p:spTree>
+    <p:extLst>
+      <p:ext uri="{BB962C8B-B14F-4D97-AF65-F5344CB8AC3E}">
+        <p14:creationId xmlns:p14="http://schemas.microsoft.com/office/powerpoint/2010/main" val="2990338724"/>
+      </p:ext>
+    </p:extLst>
+  </p:cSld>
+  <p:clrMapOvr>
+    <a:masterClrMapping/>
+  </p:clrMapOvr>
+  <p:timing>
+    <p:tnLst>
+      <p:par>
+        <p:cTn id="1" dur="indefinite" restart="never" nodeType="tmRoot"/>
+      </p:par>
+    </p:tnLst>
+  </p:timing>
+</p:sld>
+</file>
+
+<file path=ppt/slides/slide9.xml><?xml version="1.0" encoding="utf-8"?>
+<p:sld xmlns:a="http://schemas.openxmlformats.org/drawingml/2006/main" xmlns:r="http://schemas.openxmlformats.org/officeDocument/2006/relationships" xmlns:p="http://schemas.openxmlformats.org/presentationml/2006/main">
+  <p:cSld>
+    <p:spTree>
+      <p:nvGrpSpPr>
+        <p:cNvPr id="1" name=""/>
+        <p:cNvGrpSpPr/>
+        <p:nvPr/>
+      </p:nvGrpSpPr>
+      <p:grpSpPr>
+        <a:xfrm>
+          <a:off x="0" y="0"/>
+          <a:ext cx="0" cy="0"/>
+          <a:chOff x="0" y="0"/>
+          <a:chExt cx="0" cy="0"/>
+        </a:xfrm>
+      </p:grpSpPr>
+      <p:sp>
+        <p:nvSpPr>
+          <p:cNvPr id="2" name="Titel 1"/>
+          <p:cNvSpPr>
+            <a:spLocks noGrp="1"/>
+          </p:cNvSpPr>
+          <p:nvPr>
+            <p:ph type="title"/>
+          </p:nvPr>
+        </p:nvSpPr>
+        <p:spPr/>
+        <p:txBody>
+          <a:bodyPr/>
+          <a:lstStyle/>
+          <a:p>
+            <a:r>
+              <a:rPr lang="en-US" dirty="0" smtClean="0"/>
               <a:t>Game designs</a:t>
             </a:r>
             <a:endParaRPr lang="en-US" dirty="0"/>
@@ -15198,7 +15565,7 @@
           <a:graphicData uri="http://schemas.openxmlformats.org/presentationml/2006/ole">
             <mc:AlternateContent xmlns:mc="http://schemas.openxmlformats.org/markup-compatibility/2006">
               <mc:Choice xmlns:v="urn:schemas-microsoft-com:vml" Requires="v">
-                <p:oleObj spid="_x0000_s2070" name="Image" r:id="rId3" imgW="10780920" imgH="6742800" progId="Photoshop.Image.13">
+                <p:oleObj spid="_x0000_s2106" name="Image" r:id="rId3" imgW="10780920" imgH="6742800" progId="Photoshop.Image.13">
                   <p:embed/>
                 </p:oleObj>
               </mc:Choice>
@@ -15255,7 +15622,7 @@
           <a:graphicData uri="http://schemas.openxmlformats.org/presentationml/2006/ole">
             <mc:AlternateContent xmlns:mc="http://schemas.openxmlformats.org/markup-compatibility/2006">
               <mc:Choice xmlns:v="urn:schemas-microsoft-com:vml" Requires="v">
-                <p:oleObj spid="_x0000_s2071" name="Image" r:id="rId5" imgW="8101440" imgH="5066640" progId="Photoshop.Image.13">
+                <p:oleObj spid="_x0000_s2107" name="Image" r:id="rId5" imgW="8101440" imgH="5066640" progId="Photoshop.Image.13">
                   <p:embed/>
                 </p:oleObj>
               </mc:Choice>
